--- a/AGILE DEVELOPMENT.pptx
+++ b/AGILE DEVELOPMENT.pptx
@@ -199,7 +199,7 @@
             <a:fld id="{38A8415E-F95E-4EDA-95D1-483DFB0A1772}" type="datetimeFigureOut">
               <a:rPr lang="en-US" smtClean="0"/>
               <a:pPr/>
-              <a:t>4/21/2014</a:t>
+              <a:t>11/12/2018</a:t>
             </a:fld>
             <a:endParaRPr lang="en-US"/>
           </a:p>
@@ -729,7 +729,7 @@
             <a:fld id="{510227B0-FA58-441C-9D69-6A8B1FBADC4A}" type="datetimeFigureOut">
               <a:rPr lang="en-US" smtClean="0"/>
               <a:pPr/>
-              <a:t>4/21/2014</a:t>
+              <a:t>11/12/2018</a:t>
             </a:fld>
             <a:endParaRPr lang="en-US"/>
           </a:p>
@@ -896,7 +896,7 @@
             <a:fld id="{510227B0-FA58-441C-9D69-6A8B1FBADC4A}" type="datetimeFigureOut">
               <a:rPr lang="en-US" smtClean="0"/>
               <a:pPr/>
-              <a:t>4/21/2014</a:t>
+              <a:t>11/12/2018</a:t>
             </a:fld>
             <a:endParaRPr lang="en-US"/>
           </a:p>
@@ -1073,7 +1073,7 @@
             <a:fld id="{510227B0-FA58-441C-9D69-6A8B1FBADC4A}" type="datetimeFigureOut">
               <a:rPr lang="en-US" smtClean="0"/>
               <a:pPr/>
-              <a:t>4/21/2014</a:t>
+              <a:t>11/12/2018</a:t>
             </a:fld>
             <a:endParaRPr lang="en-US"/>
           </a:p>
@@ -1240,7 +1240,7 @@
             <a:fld id="{510227B0-FA58-441C-9D69-6A8B1FBADC4A}" type="datetimeFigureOut">
               <a:rPr lang="en-US" smtClean="0"/>
               <a:pPr/>
-              <a:t>4/21/2014</a:t>
+              <a:t>11/12/2018</a:t>
             </a:fld>
             <a:endParaRPr lang="en-US"/>
           </a:p>
@@ -1483,7 +1483,7 @@
             <a:fld id="{510227B0-FA58-441C-9D69-6A8B1FBADC4A}" type="datetimeFigureOut">
               <a:rPr lang="en-US" smtClean="0"/>
               <a:pPr/>
-              <a:t>4/21/2014</a:t>
+              <a:t>11/12/2018</a:t>
             </a:fld>
             <a:endParaRPr lang="en-US"/>
           </a:p>
@@ -1768,7 +1768,7 @@
             <a:fld id="{510227B0-FA58-441C-9D69-6A8B1FBADC4A}" type="datetimeFigureOut">
               <a:rPr lang="en-US" smtClean="0"/>
               <a:pPr/>
-              <a:t>4/21/2014</a:t>
+              <a:t>11/12/2018</a:t>
             </a:fld>
             <a:endParaRPr lang="en-US"/>
           </a:p>
@@ -2187,7 +2187,7 @@
             <a:fld id="{510227B0-FA58-441C-9D69-6A8B1FBADC4A}" type="datetimeFigureOut">
               <a:rPr lang="en-US" smtClean="0"/>
               <a:pPr/>
-              <a:t>4/21/2014</a:t>
+              <a:t>11/12/2018</a:t>
             </a:fld>
             <a:endParaRPr lang="en-US"/>
           </a:p>
@@ -2302,7 +2302,7 @@
             <a:fld id="{510227B0-FA58-441C-9D69-6A8B1FBADC4A}" type="datetimeFigureOut">
               <a:rPr lang="en-US" smtClean="0"/>
               <a:pPr/>
-              <a:t>4/21/2014</a:t>
+              <a:t>11/12/2018</a:t>
             </a:fld>
             <a:endParaRPr lang="en-US"/>
           </a:p>
@@ -2394,7 +2394,7 @@
             <a:fld id="{510227B0-FA58-441C-9D69-6A8B1FBADC4A}" type="datetimeFigureOut">
               <a:rPr lang="en-US" smtClean="0"/>
               <a:pPr/>
-              <a:t>4/21/2014</a:t>
+              <a:t>11/12/2018</a:t>
             </a:fld>
             <a:endParaRPr lang="en-US"/>
           </a:p>
@@ -2668,7 +2668,7 @@
             <a:fld id="{510227B0-FA58-441C-9D69-6A8B1FBADC4A}" type="datetimeFigureOut">
               <a:rPr lang="en-US" smtClean="0"/>
               <a:pPr/>
-              <a:t>4/21/2014</a:t>
+              <a:t>11/12/2018</a:t>
             </a:fld>
             <a:endParaRPr lang="en-US"/>
           </a:p>
@@ -2918,7 +2918,7 @@
             <a:fld id="{510227B0-FA58-441C-9D69-6A8B1FBADC4A}" type="datetimeFigureOut">
               <a:rPr lang="en-US" smtClean="0"/>
               <a:pPr/>
-              <a:t>4/21/2014</a:t>
+              <a:t>11/12/2018</a:t>
             </a:fld>
             <a:endParaRPr lang="en-US"/>
           </a:p>
@@ -3128,7 +3128,7 @@
             <a:fld id="{510227B0-FA58-441C-9D69-6A8B1FBADC4A}" type="datetimeFigureOut">
               <a:rPr lang="en-US" smtClean="0"/>
               <a:pPr/>
-              <a:t>4/21/2014</a:t>
+              <a:t>11/12/2018</a:t>
             </a:fld>
             <a:endParaRPr lang="en-US"/>
           </a:p>
@@ -4608,53 +4608,15 @@
             </a:r>
             <a:r>
               <a:rPr lang="en-US" dirty="0" smtClean="0"/>
-              <a:t> is a group of software development methods based on </a:t>
-            </a:r>
-            <a:r>
-              <a:rPr lang="en-US" dirty="0" smtClean="0">
-                <a:solidFill>
-                  <a:srgbClr val="FF0000"/>
-                </a:solidFill>
-              </a:rPr>
-              <a:t>[iterative]</a:t>
+              <a:t> is a group of software development methods based on [iterative] </a:t>
+            </a:r>
+            <a:r>
+              <a:rPr lang="en-US" b="1" i="1" dirty="0" smtClean="0"/>
+              <a:t>and</a:t>
             </a:r>
             <a:r>
               <a:rPr lang="en-US" dirty="0" smtClean="0"/>
-              <a:t> </a:t>
-            </a:r>
-            <a:r>
-              <a:rPr lang="en-US" b="1" i="1" dirty="0" smtClean="0">
-                <a:solidFill>
-                  <a:srgbClr val="C00000"/>
-                </a:solidFill>
-              </a:rPr>
-              <a:t>and</a:t>
-            </a:r>
-            <a:r>
-              <a:rPr lang="en-US" dirty="0" smtClean="0">
-                <a:solidFill>
-                  <a:srgbClr val="FF0000"/>
-                </a:solidFill>
-              </a:rPr>
-              <a:t> [incremental development]</a:t>
-            </a:r>
-            <a:r>
-              <a:rPr lang="en-US" dirty="0" smtClean="0"/>
-              <a:t>, </a:t>
-            </a:r>
-            <a:r>
-              <a:rPr lang="en-US" dirty="0" smtClean="0">
-                <a:solidFill>
-                  <a:schemeClr val="accent3">
-                    <a:lumMod val="75000"/>
-                  </a:schemeClr>
-                </a:solidFill>
-              </a:rPr>
-              <a:t>where requirements and solutions evolve through collaboration between self-organizing, cross-functional teams</a:t>
-            </a:r>
-            <a:r>
-              <a:rPr lang="en-US" dirty="0" smtClean="0"/>
-              <a:t>.</a:t>
+              <a:t> [incremental development], where requirements and solutions evolve through collaboration between self-organizing, cross-functional teams.</a:t>
             </a:r>
           </a:p>
         </p:txBody>
